--- a/презентация.pptx
+++ b/презентация.pptx
@@ -8,7 +8,15 @@
     <p:sldId id="256" r:id="rId2"/>
     <p:sldId id="257" r:id="rId3"/>
     <p:sldId id="258" r:id="rId4"/>
-    <p:sldId id="259" r:id="rId5"/>
+    <p:sldId id="260" r:id="rId5"/>
+    <p:sldId id="261" r:id="rId6"/>
+    <p:sldId id="262" r:id="rId7"/>
+    <p:sldId id="263" r:id="rId8"/>
+    <p:sldId id="264" r:id="rId9"/>
+    <p:sldId id="265" r:id="rId10"/>
+    <p:sldId id="266" r:id="rId11"/>
+    <p:sldId id="267" r:id="rId12"/>
+    <p:sldId id="259" r:id="rId13"/>
   </p:sldIdLst>
   <p:sldSz cx="12192000" cy="6858000"/>
   <p:notesSz cx="6858000" cy="9144000"/>
@@ -269,7 +277,7 @@
           <a:p>
             <a:fld id="{2E6C2E50-5049-4F05-B1B0-13F6E3B1A0B2}" type="datetimeFigureOut">
               <a:rPr lang="ru-RU" smtClean="0"/>
-              <a:t>08.01.2024</a:t>
+              <a:t>14.01.2024</a:t>
             </a:fld>
             <a:endParaRPr lang="ru-RU"/>
           </a:p>
@@ -439,7 +447,7 @@
           <a:p>
             <a:fld id="{2E6C2E50-5049-4F05-B1B0-13F6E3B1A0B2}" type="datetimeFigureOut">
               <a:rPr lang="ru-RU" smtClean="0"/>
-              <a:t>08.01.2024</a:t>
+              <a:t>14.01.2024</a:t>
             </a:fld>
             <a:endParaRPr lang="ru-RU"/>
           </a:p>
@@ -619,7 +627,7 @@
           <a:p>
             <a:fld id="{2E6C2E50-5049-4F05-B1B0-13F6E3B1A0B2}" type="datetimeFigureOut">
               <a:rPr lang="ru-RU" smtClean="0"/>
-              <a:t>08.01.2024</a:t>
+              <a:t>14.01.2024</a:t>
             </a:fld>
             <a:endParaRPr lang="ru-RU"/>
           </a:p>
@@ -789,7 +797,7 @@
           <a:p>
             <a:fld id="{2E6C2E50-5049-4F05-B1B0-13F6E3B1A0B2}" type="datetimeFigureOut">
               <a:rPr lang="ru-RU" smtClean="0"/>
-              <a:t>08.01.2024</a:t>
+              <a:t>14.01.2024</a:t>
             </a:fld>
             <a:endParaRPr lang="ru-RU"/>
           </a:p>
@@ -1035,7 +1043,7 @@
           <a:p>
             <a:fld id="{2E6C2E50-5049-4F05-B1B0-13F6E3B1A0B2}" type="datetimeFigureOut">
               <a:rPr lang="ru-RU" smtClean="0"/>
-              <a:t>08.01.2024</a:t>
+              <a:t>14.01.2024</a:t>
             </a:fld>
             <a:endParaRPr lang="ru-RU"/>
           </a:p>
@@ -1267,7 +1275,7 @@
           <a:p>
             <a:fld id="{2E6C2E50-5049-4F05-B1B0-13F6E3B1A0B2}" type="datetimeFigureOut">
               <a:rPr lang="ru-RU" smtClean="0"/>
-              <a:t>08.01.2024</a:t>
+              <a:t>14.01.2024</a:t>
             </a:fld>
             <a:endParaRPr lang="ru-RU"/>
           </a:p>
@@ -1634,7 +1642,7 @@
           <a:p>
             <a:fld id="{2E6C2E50-5049-4F05-B1B0-13F6E3B1A0B2}" type="datetimeFigureOut">
               <a:rPr lang="ru-RU" smtClean="0"/>
-              <a:t>08.01.2024</a:t>
+              <a:t>14.01.2024</a:t>
             </a:fld>
             <a:endParaRPr lang="ru-RU"/>
           </a:p>
@@ -1752,7 +1760,7 @@
           <a:p>
             <a:fld id="{2E6C2E50-5049-4F05-B1B0-13F6E3B1A0B2}" type="datetimeFigureOut">
               <a:rPr lang="ru-RU" smtClean="0"/>
-              <a:t>08.01.2024</a:t>
+              <a:t>14.01.2024</a:t>
             </a:fld>
             <a:endParaRPr lang="ru-RU"/>
           </a:p>
@@ -1847,7 +1855,7 @@
           <a:p>
             <a:fld id="{2E6C2E50-5049-4F05-B1B0-13F6E3B1A0B2}" type="datetimeFigureOut">
               <a:rPr lang="ru-RU" smtClean="0"/>
-              <a:t>08.01.2024</a:t>
+              <a:t>14.01.2024</a:t>
             </a:fld>
             <a:endParaRPr lang="ru-RU"/>
           </a:p>
@@ -2124,7 +2132,7 @@
           <a:p>
             <a:fld id="{2E6C2E50-5049-4F05-B1B0-13F6E3B1A0B2}" type="datetimeFigureOut">
               <a:rPr lang="ru-RU" smtClean="0"/>
-              <a:t>08.01.2024</a:t>
+              <a:t>14.01.2024</a:t>
             </a:fld>
             <a:endParaRPr lang="ru-RU"/>
           </a:p>
@@ -2377,7 +2385,7 @@
           <a:p>
             <a:fld id="{2E6C2E50-5049-4F05-B1B0-13F6E3B1A0B2}" type="datetimeFigureOut">
               <a:rPr lang="ru-RU" smtClean="0"/>
-              <a:t>08.01.2024</a:t>
+              <a:t>14.01.2024</a:t>
             </a:fld>
             <a:endParaRPr lang="ru-RU"/>
           </a:p>
@@ -2590,7 +2598,7 @@
           <a:p>
             <a:fld id="{2E6C2E50-5049-4F05-B1B0-13F6E3B1A0B2}" type="datetimeFigureOut">
               <a:rPr lang="ru-RU" smtClean="0"/>
-              <a:t>08.01.2024</a:t>
+              <a:t>14.01.2024</a:t>
             </a:fld>
             <a:endParaRPr lang="ru-RU"/>
           </a:p>
@@ -3096,6 +3104,487 @@
 </p:sld>
 </file>
 
+<file path=ppt/slides/slide10.xml><?xml version="1.0" encoding="utf-8"?>
+<p:sld xmlns:a="http://schemas.openxmlformats.org/drawingml/2006/main" xmlns:r="http://schemas.openxmlformats.org/officeDocument/2006/relationships" xmlns:p="http://schemas.openxmlformats.org/presentationml/2006/main">
+  <p:cSld>
+    <p:spTree>
+      <p:nvGrpSpPr>
+        <p:cNvPr id="1" name=""/>
+        <p:cNvGrpSpPr/>
+        <p:nvPr/>
+      </p:nvGrpSpPr>
+      <p:grpSpPr>
+        <a:xfrm>
+          <a:off x="0" y="0"/>
+          <a:ext cx="0" cy="0"/>
+          <a:chOff x="0" y="0"/>
+          <a:chExt cx="0" cy="0"/>
+        </a:xfrm>
+      </p:grpSpPr>
+      <p:sp>
+        <p:nvSpPr>
+          <p:cNvPr id="2" name="Заголовок 1"/>
+          <p:cNvSpPr>
+            <a:spLocks noGrp="1"/>
+          </p:cNvSpPr>
+          <p:nvPr>
+            <p:ph type="title"/>
+          </p:nvPr>
+        </p:nvSpPr>
+        <p:spPr/>
+        <p:txBody>
+          <a:bodyPr>
+            <a:normAutofit/>
+          </a:bodyPr>
+          <a:lstStyle/>
+          <a:p>
+            <a:r>
+              <a:rPr lang="ru-RU" sz="7200" dirty="0" smtClean="0"/>
+              <a:t>Окно смерти</a:t>
+            </a:r>
+            <a:endParaRPr lang="ru-RU" sz="7200" dirty="0"/>
+          </a:p>
+        </p:txBody>
+      </p:sp>
+      <p:pic>
+        <p:nvPicPr>
+          <p:cNvPr id="4" name="Объект 3"/>
+          <p:cNvPicPr>
+            <a:picLocks noGrp="1" noChangeAspect="1"/>
+          </p:cNvPicPr>
+          <p:nvPr>
+            <p:ph idx="1"/>
+          </p:nvPr>
+        </p:nvPicPr>
+        <p:blipFill>
+          <a:blip r:embed="rId2"/>
+          <a:stretch>
+            <a:fillRect/>
+          </a:stretch>
+        </p:blipFill>
+        <p:spPr>
+          <a:xfrm>
+            <a:off x="838200" y="1690688"/>
+            <a:ext cx="4267796" cy="3162741"/>
+          </a:xfrm>
+          <a:prstGeom prst="rect">
+            <a:avLst/>
+          </a:prstGeom>
+        </p:spPr>
+      </p:pic>
+      <p:sp>
+        <p:nvSpPr>
+          <p:cNvPr id="5" name="TextBox 4"/>
+          <p:cNvSpPr txBox="1"/>
+          <p:nvPr/>
+        </p:nvSpPr>
+        <p:spPr>
+          <a:xfrm>
+            <a:off x="5105996" y="1690688"/>
+            <a:ext cx="4724883" cy="1200329"/>
+          </a:xfrm>
+          <a:prstGeom prst="rect">
+            <a:avLst/>
+          </a:prstGeom>
+          <a:noFill/>
+        </p:spPr>
+        <p:txBody>
+          <a:bodyPr wrap="none" rtlCol="0">
+            <a:spAutoFit/>
+          </a:bodyPr>
+          <a:lstStyle/>
+          <a:p>
+            <a:r>
+              <a:rPr lang="ru-RU" sz="3600" dirty="0" smtClean="0"/>
+              <a:t>Появляется при утрате </a:t>
+            </a:r>
+          </a:p>
+          <a:p>
+            <a:r>
+              <a:rPr lang="ru-RU" sz="3600" dirty="0" smtClean="0"/>
+              <a:t>всех жизней игрока</a:t>
+            </a:r>
+            <a:endParaRPr lang="ru-RU" sz="3600" dirty="0"/>
+          </a:p>
+        </p:txBody>
+      </p:sp>
+    </p:spTree>
+    <p:extLst>
+      <p:ext uri="{BB962C8B-B14F-4D97-AF65-F5344CB8AC3E}">
+        <p14:creationId xmlns:p14="http://schemas.microsoft.com/office/powerpoint/2010/main" val="3414482239"/>
+      </p:ext>
+    </p:extLst>
+  </p:cSld>
+  <p:clrMapOvr>
+    <a:masterClrMapping/>
+  </p:clrMapOvr>
+  <p:timing>
+    <p:tnLst>
+      <p:par>
+        <p:cTn id="1" dur="indefinite" restart="never" nodeType="tmRoot"/>
+      </p:par>
+    </p:tnLst>
+  </p:timing>
+</p:sld>
+</file>
+
+<file path=ppt/slides/slide11.xml><?xml version="1.0" encoding="utf-8"?>
+<p:sld xmlns:a="http://schemas.openxmlformats.org/drawingml/2006/main" xmlns:r="http://schemas.openxmlformats.org/officeDocument/2006/relationships" xmlns:p="http://schemas.openxmlformats.org/presentationml/2006/main">
+  <p:cSld>
+    <p:spTree>
+      <p:nvGrpSpPr>
+        <p:cNvPr id="1" name=""/>
+        <p:cNvGrpSpPr/>
+        <p:nvPr/>
+      </p:nvGrpSpPr>
+      <p:grpSpPr>
+        <a:xfrm>
+          <a:off x="0" y="0"/>
+          <a:ext cx="0" cy="0"/>
+          <a:chOff x="0" y="0"/>
+          <a:chExt cx="0" cy="0"/>
+        </a:xfrm>
+      </p:grpSpPr>
+      <p:sp>
+        <p:nvSpPr>
+          <p:cNvPr id="2" name="Заголовок 1"/>
+          <p:cNvSpPr>
+            <a:spLocks noGrp="1"/>
+          </p:cNvSpPr>
+          <p:nvPr>
+            <p:ph type="title"/>
+          </p:nvPr>
+        </p:nvSpPr>
+        <p:spPr/>
+        <p:txBody>
+          <a:bodyPr>
+            <a:normAutofit/>
+          </a:bodyPr>
+          <a:lstStyle/>
+          <a:p>
+            <a:r>
+              <a:rPr lang="ru-RU" sz="7200" dirty="0" smtClean="0"/>
+              <a:t>Окна финиша</a:t>
+            </a:r>
+            <a:endParaRPr lang="ru-RU" sz="7200" dirty="0"/>
+          </a:p>
+        </p:txBody>
+      </p:sp>
+      <p:pic>
+        <p:nvPicPr>
+          <p:cNvPr id="4" name="Объект 3"/>
+          <p:cNvPicPr>
+            <a:picLocks noGrp="1" noChangeAspect="1"/>
+          </p:cNvPicPr>
+          <p:nvPr>
+            <p:ph idx="1"/>
+          </p:nvPr>
+        </p:nvPicPr>
+        <p:blipFill>
+          <a:blip r:embed="rId2"/>
+          <a:stretch>
+            <a:fillRect/>
+          </a:stretch>
+        </p:blipFill>
+        <p:spPr>
+          <a:xfrm>
+            <a:off x="838200" y="1690688"/>
+            <a:ext cx="3877216" cy="2915057"/>
+          </a:xfrm>
+          <a:prstGeom prst="rect">
+            <a:avLst/>
+          </a:prstGeom>
+        </p:spPr>
+      </p:pic>
+      <p:pic>
+        <p:nvPicPr>
+          <p:cNvPr id="5" name="Рисунок 4"/>
+          <p:cNvPicPr>
+            <a:picLocks noChangeAspect="1"/>
+          </p:cNvPicPr>
+          <p:nvPr/>
+        </p:nvPicPr>
+        <p:blipFill>
+          <a:blip r:embed="rId3"/>
+          <a:stretch>
+            <a:fillRect/>
+          </a:stretch>
+        </p:blipFill>
+        <p:spPr>
+          <a:xfrm>
+            <a:off x="7053953" y="1690688"/>
+            <a:ext cx="3829584" cy="2867425"/>
+          </a:xfrm>
+          <a:prstGeom prst="rect">
+            <a:avLst/>
+          </a:prstGeom>
+        </p:spPr>
+      </p:pic>
+      <p:sp>
+        <p:nvSpPr>
+          <p:cNvPr id="6" name="TextBox 5"/>
+          <p:cNvSpPr txBox="1"/>
+          <p:nvPr/>
+        </p:nvSpPr>
+        <p:spPr>
+          <a:xfrm>
+            <a:off x="836974" y="4605745"/>
+            <a:ext cx="3872535" cy="1200329"/>
+          </a:xfrm>
+          <a:prstGeom prst="rect">
+            <a:avLst/>
+          </a:prstGeom>
+          <a:noFill/>
+        </p:spPr>
+        <p:txBody>
+          <a:bodyPr wrap="none" rtlCol="0">
+            <a:spAutoFit/>
+          </a:bodyPr>
+          <a:lstStyle/>
+          <a:p>
+            <a:r>
+              <a:rPr lang="ru-RU" sz="3600" dirty="0" smtClean="0"/>
+              <a:t>При прохождении </a:t>
+            </a:r>
+          </a:p>
+          <a:p>
+            <a:r>
+              <a:rPr lang="ru-RU" sz="3600" dirty="0" smtClean="0"/>
+              <a:t>Обычного уровня</a:t>
+            </a:r>
+            <a:endParaRPr lang="ru-RU" sz="3600" dirty="0"/>
+          </a:p>
+        </p:txBody>
+      </p:sp>
+      <p:sp>
+        <p:nvSpPr>
+          <p:cNvPr id="7" name="Прямоугольник 6"/>
+          <p:cNvSpPr/>
+          <p:nvPr/>
+        </p:nvSpPr>
+        <p:spPr>
+          <a:xfrm>
+            <a:off x="7053953" y="4605744"/>
+            <a:ext cx="6096000" cy="1200329"/>
+          </a:xfrm>
+          <a:prstGeom prst="rect">
+            <a:avLst/>
+          </a:prstGeom>
+        </p:spPr>
+        <p:txBody>
+          <a:bodyPr>
+            <a:spAutoFit/>
+          </a:bodyPr>
+          <a:lstStyle/>
+          <a:p>
+            <a:r>
+              <a:rPr lang="ru-RU" sz="3600" dirty="0"/>
+              <a:t>При прохождении </a:t>
+            </a:r>
+          </a:p>
+          <a:p>
+            <a:r>
+              <a:rPr lang="ru-RU" sz="3600" dirty="0" smtClean="0"/>
+              <a:t>Финального </a:t>
+            </a:r>
+            <a:r>
+              <a:rPr lang="ru-RU" sz="3600" dirty="0"/>
+              <a:t>уровня</a:t>
+            </a:r>
+            <a:endParaRPr lang="ru-RU" sz="3600" dirty="0"/>
+          </a:p>
+        </p:txBody>
+      </p:sp>
+      <p:sp>
+        <p:nvSpPr>
+          <p:cNvPr id="8" name="Стрелка вниз 7"/>
+          <p:cNvSpPr/>
+          <p:nvPr/>
+        </p:nvSpPr>
+        <p:spPr>
+          <a:xfrm rot="4561729">
+            <a:off x="5490692" y="-233146"/>
+            <a:ext cx="249691" cy="3871079"/>
+          </a:xfrm>
+          <a:prstGeom prst="downArrow">
+            <a:avLst/>
+          </a:prstGeom>
+        </p:spPr>
+        <p:style>
+          <a:lnRef idx="2">
+            <a:schemeClr val="accent1">
+              <a:shade val="50000"/>
+            </a:schemeClr>
+          </a:lnRef>
+          <a:fillRef idx="1">
+            <a:schemeClr val="accent1"/>
+          </a:fillRef>
+          <a:effectRef idx="0">
+            <a:schemeClr val="accent1"/>
+          </a:effectRef>
+          <a:fontRef idx="minor">
+            <a:schemeClr val="lt1"/>
+          </a:fontRef>
+        </p:style>
+        <p:txBody>
+          <a:bodyPr rtlCol="0" anchor="ctr"/>
+          <a:lstStyle/>
+          <a:p>
+            <a:pPr algn="ctr"/>
+            <a:endParaRPr lang="ru-RU"/>
+          </a:p>
+        </p:txBody>
+      </p:sp>
+      <p:sp>
+        <p:nvSpPr>
+          <p:cNvPr id="9" name="Прямоугольник 8"/>
+          <p:cNvSpPr/>
+          <p:nvPr/>
+        </p:nvSpPr>
+        <p:spPr>
+          <a:xfrm>
+            <a:off x="7523961" y="365125"/>
+            <a:ext cx="6096000" cy="1200329"/>
+          </a:xfrm>
+          <a:prstGeom prst="rect">
+            <a:avLst/>
+          </a:prstGeom>
+        </p:spPr>
+        <p:txBody>
+          <a:bodyPr>
+            <a:spAutoFit/>
+          </a:bodyPr>
+          <a:lstStyle/>
+          <a:p>
+            <a:r>
+              <a:rPr lang="ru-RU" sz="3600" dirty="0" smtClean="0"/>
+              <a:t>Перенаправляет на</a:t>
+            </a:r>
+          </a:p>
+          <a:p>
+            <a:r>
+              <a:rPr lang="ru-RU" sz="3600" dirty="0" smtClean="0"/>
+              <a:t>Следующий уровень</a:t>
+            </a:r>
+            <a:endParaRPr lang="ru-RU" sz="3600" dirty="0"/>
+          </a:p>
+        </p:txBody>
+      </p:sp>
+    </p:spTree>
+    <p:extLst>
+      <p:ext uri="{BB962C8B-B14F-4D97-AF65-F5344CB8AC3E}">
+        <p14:creationId xmlns:p14="http://schemas.microsoft.com/office/powerpoint/2010/main" val="266341657"/>
+      </p:ext>
+    </p:extLst>
+  </p:cSld>
+  <p:clrMapOvr>
+    <a:masterClrMapping/>
+  </p:clrMapOvr>
+  <p:timing>
+    <p:tnLst>
+      <p:par>
+        <p:cTn id="1" dur="indefinite" restart="never" nodeType="tmRoot"/>
+      </p:par>
+    </p:tnLst>
+  </p:timing>
+</p:sld>
+</file>
+
+<file path=ppt/slides/slide12.xml><?xml version="1.0" encoding="utf-8"?>
+<p:sld xmlns:a="http://schemas.openxmlformats.org/drawingml/2006/main" xmlns:r="http://schemas.openxmlformats.org/officeDocument/2006/relationships" xmlns:p="http://schemas.openxmlformats.org/presentationml/2006/main">
+  <p:cSld>
+    <p:spTree>
+      <p:nvGrpSpPr>
+        <p:cNvPr id="1" name=""/>
+        <p:cNvGrpSpPr/>
+        <p:nvPr/>
+      </p:nvGrpSpPr>
+      <p:grpSpPr>
+        <a:xfrm>
+          <a:off x="0" y="0"/>
+          <a:ext cx="0" cy="0"/>
+          <a:chOff x="0" y="0"/>
+          <a:chExt cx="0" cy="0"/>
+        </a:xfrm>
+      </p:grpSpPr>
+      <p:sp>
+        <p:nvSpPr>
+          <p:cNvPr id="2" name="Заголовок 1"/>
+          <p:cNvSpPr>
+            <a:spLocks noGrp="1"/>
+          </p:cNvSpPr>
+          <p:nvPr>
+            <p:ph type="title"/>
+          </p:nvPr>
+        </p:nvSpPr>
+        <p:spPr/>
+        <p:txBody>
+          <a:bodyPr>
+            <a:normAutofit/>
+          </a:bodyPr>
+          <a:lstStyle/>
+          <a:p>
+            <a:r>
+              <a:rPr lang="ru-RU" sz="7200" dirty="0" smtClean="0"/>
+              <a:t>Заключение</a:t>
+            </a:r>
+            <a:endParaRPr lang="ru-RU" sz="7200" dirty="0"/>
+          </a:p>
+        </p:txBody>
+      </p:sp>
+      <p:sp>
+        <p:nvSpPr>
+          <p:cNvPr id="3" name="Объект 2"/>
+          <p:cNvSpPr>
+            <a:spLocks noGrp="1"/>
+          </p:cNvSpPr>
+          <p:nvPr>
+            <p:ph idx="1"/>
+          </p:nvPr>
+        </p:nvSpPr>
+        <p:spPr/>
+        <p:txBody>
+          <a:bodyPr>
+            <a:normAutofit/>
+          </a:bodyPr>
+          <a:lstStyle/>
+          <a:p>
+            <a:r>
+              <a:rPr lang="ru-RU" sz="3600" dirty="0" smtClean="0"/>
+              <a:t>Вывод</a:t>
+            </a:r>
+            <a:r>
+              <a:rPr lang="en-US" sz="3600" dirty="0" smtClean="0"/>
+              <a:t>: </a:t>
+            </a:r>
+            <a:r>
+              <a:rPr lang="ru-RU" sz="3600" dirty="0" smtClean="0"/>
+              <a:t>Основной функционал игры реализован и готов к использованию, но также присутствует возможность и для дальнейшего развития игры.</a:t>
+            </a:r>
+            <a:endParaRPr lang="ru-RU" sz="3600" dirty="0"/>
+          </a:p>
+        </p:txBody>
+      </p:sp>
+    </p:spTree>
+    <p:extLst>
+      <p:ext uri="{BB962C8B-B14F-4D97-AF65-F5344CB8AC3E}">
+        <p14:creationId xmlns:p14="http://schemas.microsoft.com/office/powerpoint/2010/main" val="4283232632"/>
+      </p:ext>
+    </p:extLst>
+  </p:cSld>
+  <p:clrMapOvr>
+    <a:masterClrMapping/>
+  </p:clrMapOvr>
+  <p:timing>
+    <p:tnLst>
+      <p:par>
+        <p:cTn id="1" dur="indefinite" restart="never" nodeType="tmRoot"/>
+      </p:par>
+    </p:tnLst>
+  </p:timing>
+</p:sld>
+</file>
+
 <file path=ppt/slides/slide2.xml><?xml version="1.0" encoding="utf-8"?>
 <p:sld xmlns:a="http://schemas.openxmlformats.org/drawingml/2006/main" xmlns:r="http://schemas.openxmlformats.org/officeDocument/2006/relationships" xmlns:p="http://schemas.openxmlformats.org/presentationml/2006/main">
   <p:cSld>
@@ -3196,11 +3685,7 @@
             </a:r>
             <a:r>
               <a:rPr lang="ru-RU" sz="3600" dirty="0" smtClean="0"/>
-              <a:t>она </a:t>
-            </a:r>
-            <a:r>
-              <a:rPr lang="ru-RU" sz="3600" dirty="0" smtClean="0"/>
-              <a:t>создан</a:t>
+              <a:t>она создан</a:t>
             </a:r>
             <a:r>
               <a:rPr lang="en-US" sz="3600" dirty="0" smtClean="0"/>
@@ -3299,17 +3784,12 @@
           <a:p>
             <a:r>
               <a:rPr lang="ru-RU" sz="3600" dirty="0" smtClean="0"/>
-              <a:t>Структура и особенности </a:t>
-            </a:r>
-            <a:r>
-              <a:rPr lang="ru-RU" sz="3600" dirty="0" smtClean="0"/>
-              <a:t>игры</a:t>
+              <a:t>Структура и особенности игры</a:t>
             </a:r>
             <a:r>
               <a:rPr lang="en-US" sz="3600" dirty="0" smtClean="0"/>
               <a:t>:</a:t>
             </a:r>
-            <a:endParaRPr lang="en-US" sz="3600" dirty="0" smtClean="0"/>
           </a:p>
           <a:p>
             <a:pPr marL="0" indent="0">
@@ -3353,11 +3833,7 @@
             </a:pPr>
             <a:r>
               <a:rPr lang="ru-RU" dirty="0" smtClean="0"/>
-              <a:t>Различные уровни со своими </a:t>
-            </a:r>
-            <a:r>
-              <a:rPr lang="ru-RU" smtClean="0"/>
-              <a:t>особенностями </a:t>
+              <a:t>Различные уровни со своими особенностями </a:t>
             </a:r>
             <a:endParaRPr lang="ru-RU" dirty="0"/>
           </a:p>
@@ -3390,11 +3866,7 @@
             </a:r>
             <a:r>
               <a:rPr lang="en-US" sz="3200" dirty="0" smtClean="0"/>
-              <a:t> Community Edition </a:t>
-            </a:r>
-            <a:r>
-              <a:rPr lang="en-US" sz="3200" dirty="0" smtClean="0"/>
-              <a:t>2023.2.1</a:t>
+              <a:t> Community Edition 2023.2.1</a:t>
             </a:r>
             <a:endParaRPr lang="ru-RU" sz="3200" dirty="0" smtClean="0"/>
           </a:p>
@@ -3467,20 +3939,124 @@
           <a:p>
             <a:r>
               <a:rPr lang="ru-RU" sz="7200" dirty="0" smtClean="0"/>
-              <a:t>Заключение</a:t>
+              <a:t>Меню</a:t>
             </a:r>
             <a:endParaRPr lang="ru-RU" sz="7200" dirty="0"/>
           </a:p>
         </p:txBody>
       </p:sp>
-      <p:sp>
-        <p:nvSpPr>
-          <p:cNvPr id="3" name="Объект 2"/>
-          <p:cNvSpPr>
-            <a:spLocks noGrp="1"/>
-          </p:cNvSpPr>
+      <p:pic>
+        <p:nvPicPr>
+          <p:cNvPr id="4" name="Объект 3"/>
+          <p:cNvPicPr>
+            <a:picLocks noGrp="1" noChangeAspect="1"/>
+          </p:cNvPicPr>
           <p:nvPr>
             <p:ph idx="1"/>
+          </p:nvPr>
+        </p:nvPicPr>
+        <p:blipFill>
+          <a:blip r:embed="rId2"/>
+          <a:stretch>
+            <a:fillRect/>
+          </a:stretch>
+        </p:blipFill>
+        <p:spPr>
+          <a:xfrm>
+            <a:off x="838200" y="1690687"/>
+            <a:ext cx="6107242" cy="4535941"/>
+          </a:xfrm>
+          <a:prstGeom prst="rect">
+            <a:avLst/>
+          </a:prstGeom>
+        </p:spPr>
+      </p:pic>
+      <p:sp>
+        <p:nvSpPr>
+          <p:cNvPr id="7" name="Прямоугольник 6"/>
+          <p:cNvSpPr/>
+          <p:nvPr/>
+        </p:nvSpPr>
+        <p:spPr>
+          <a:xfrm>
+            <a:off x="6945442" y="2758328"/>
+            <a:ext cx="4496167" cy="1200329"/>
+          </a:xfrm>
+          <a:prstGeom prst="rect">
+            <a:avLst/>
+          </a:prstGeom>
+        </p:spPr>
+        <p:txBody>
+          <a:bodyPr wrap="none">
+            <a:spAutoFit/>
+          </a:bodyPr>
+          <a:lstStyle/>
+          <a:p>
+            <a:pPr algn="just"/>
+            <a:r>
+              <a:rPr lang="ru-RU" sz="3600" dirty="0"/>
+              <a:t>Первое что встречает </a:t>
+            </a:r>
+          </a:p>
+          <a:p>
+            <a:pPr algn="just"/>
+            <a:r>
+              <a:rPr lang="ru-RU" sz="3600" dirty="0" smtClean="0"/>
+              <a:t>в </a:t>
+            </a:r>
+            <a:r>
+              <a:rPr lang="ru-RU" sz="3600" dirty="0"/>
+              <a:t>игре</a:t>
+            </a:r>
+            <a:endParaRPr lang="ru-RU" sz="3600" dirty="0"/>
+          </a:p>
+        </p:txBody>
+      </p:sp>
+    </p:spTree>
+    <p:extLst>
+      <p:ext uri="{BB962C8B-B14F-4D97-AF65-F5344CB8AC3E}">
+        <p14:creationId xmlns:p14="http://schemas.microsoft.com/office/powerpoint/2010/main" val="2690760651"/>
+      </p:ext>
+    </p:extLst>
+  </p:cSld>
+  <p:clrMapOvr>
+    <a:masterClrMapping/>
+  </p:clrMapOvr>
+  <p:timing>
+    <p:tnLst>
+      <p:par>
+        <p:cTn id="1" dur="indefinite" restart="never" nodeType="tmRoot"/>
+      </p:par>
+    </p:tnLst>
+  </p:timing>
+</p:sld>
+</file>
+
+<file path=ppt/slides/slide5.xml><?xml version="1.0" encoding="utf-8"?>
+<p:sld xmlns:a="http://schemas.openxmlformats.org/drawingml/2006/main" xmlns:r="http://schemas.openxmlformats.org/officeDocument/2006/relationships" xmlns:p="http://schemas.openxmlformats.org/presentationml/2006/main">
+  <p:cSld>
+    <p:spTree>
+      <p:nvGrpSpPr>
+        <p:cNvPr id="1" name=""/>
+        <p:cNvGrpSpPr/>
+        <p:nvPr/>
+      </p:nvGrpSpPr>
+      <p:grpSpPr>
+        <a:xfrm>
+          <a:off x="0" y="0"/>
+          <a:ext cx="0" cy="0"/>
+          <a:chOff x="0" y="0"/>
+          <a:chExt cx="0" cy="0"/>
+        </a:xfrm>
+      </p:grpSpPr>
+      <p:sp>
+        <p:nvSpPr>
+          <p:cNvPr id="2" name="Заголовок 1"/>
+          <p:cNvSpPr>
+            <a:spLocks noGrp="1"/>
+          </p:cNvSpPr>
+          <p:nvPr>
+            <p:ph type="title"/>
           </p:nvPr>
         </p:nvSpPr>
         <p:spPr/>
@@ -3491,36 +4067,81 @@
           <a:lstStyle/>
           <a:p>
             <a:r>
+              <a:rPr lang="ru-RU" sz="7200" dirty="0" smtClean="0"/>
+              <a:t>Кнопка играть</a:t>
+            </a:r>
+            <a:endParaRPr lang="ru-RU" sz="7200" dirty="0"/>
+          </a:p>
+        </p:txBody>
+      </p:sp>
+      <p:pic>
+        <p:nvPicPr>
+          <p:cNvPr id="4" name="Объект 3"/>
+          <p:cNvPicPr>
+            <a:picLocks noGrp="1" noChangeAspect="1"/>
+          </p:cNvPicPr>
+          <p:nvPr>
+            <p:ph idx="1"/>
+          </p:nvPr>
+        </p:nvPicPr>
+        <p:blipFill>
+          <a:blip r:embed="rId2"/>
+          <a:stretch>
+            <a:fillRect/>
+          </a:stretch>
+        </p:blipFill>
+        <p:spPr>
+          <a:xfrm>
+            <a:off x="838200" y="1690688"/>
+            <a:ext cx="5892284" cy="4351338"/>
+          </a:xfrm>
+          <a:prstGeom prst="rect">
+            <a:avLst/>
+          </a:prstGeom>
+        </p:spPr>
+      </p:pic>
+      <p:sp>
+        <p:nvSpPr>
+          <p:cNvPr id="5" name="TextBox 4"/>
+          <p:cNvSpPr txBox="1"/>
+          <p:nvPr/>
+        </p:nvSpPr>
+        <p:spPr>
+          <a:xfrm>
+            <a:off x="6730484" y="2896860"/>
+            <a:ext cx="5419304" cy="1754326"/>
+          </a:xfrm>
+          <a:prstGeom prst="rect">
+            <a:avLst/>
+          </a:prstGeom>
+          <a:noFill/>
+        </p:spPr>
+        <p:txBody>
+          <a:bodyPr wrap="none" rtlCol="0">
+            <a:spAutoFit/>
+          </a:bodyPr>
+          <a:lstStyle/>
+          <a:p>
+            <a:r>
               <a:rPr lang="ru-RU" sz="3600" dirty="0" smtClean="0"/>
-              <a:t>Вывод</a:t>
+              <a:t>Здесь выбирается уровень</a:t>
+            </a:r>
+          </a:p>
+          <a:p>
+            <a:r>
+              <a:rPr lang="ru-RU" sz="3600" dirty="0" smtClean="0"/>
+              <a:t>Прогресс хранится в </a:t>
             </a:r>
             <a:r>
               <a:rPr lang="en-US" sz="3600" dirty="0" smtClean="0"/>
-              <a:t>: </a:t>
-            </a:r>
+              <a:t>.txt</a:t>
+            </a:r>
+            <a:endParaRPr lang="ru-RU" sz="3600" dirty="0" smtClean="0"/>
+          </a:p>
+          <a:p>
             <a:r>
               <a:rPr lang="ru-RU" sz="3600" dirty="0" smtClean="0"/>
-              <a:t>Основной функционал </a:t>
-            </a:r>
-            <a:r>
-              <a:rPr lang="ru-RU" sz="3600" dirty="0" smtClean="0"/>
-              <a:t>игры</a:t>
-            </a:r>
-            <a:r>
-              <a:rPr lang="ru-RU" sz="3600" dirty="0" smtClean="0"/>
-              <a:t> </a:t>
-            </a:r>
-            <a:r>
-              <a:rPr lang="ru-RU" sz="3600" dirty="0" smtClean="0"/>
-              <a:t>реализован и готов к использованию, но также присутствует возможность и для дальнейшего развития </a:t>
-            </a:r>
-            <a:r>
-              <a:rPr lang="ru-RU" sz="3600" dirty="0" smtClean="0"/>
-              <a:t>игры</a:t>
-            </a:r>
-            <a:r>
-              <a:rPr lang="ru-RU" sz="3600" dirty="0" smtClean="0"/>
-              <a:t>.</a:t>
+              <a:t>формате</a:t>
             </a:r>
             <a:endParaRPr lang="ru-RU" sz="3600" dirty="0"/>
           </a:p>
@@ -3529,7 +4150,713 @@
     </p:spTree>
     <p:extLst>
       <p:ext uri="{BB962C8B-B14F-4D97-AF65-F5344CB8AC3E}">
-        <p14:creationId xmlns:p14="http://schemas.microsoft.com/office/powerpoint/2010/main" val="4283232632"/>
+        <p14:creationId xmlns:p14="http://schemas.microsoft.com/office/powerpoint/2010/main" val="3397402332"/>
+      </p:ext>
+    </p:extLst>
+  </p:cSld>
+  <p:clrMapOvr>
+    <a:masterClrMapping/>
+  </p:clrMapOvr>
+  <p:timing>
+    <p:tnLst>
+      <p:par>
+        <p:cTn id="1" dur="indefinite" restart="never" nodeType="tmRoot"/>
+      </p:par>
+    </p:tnLst>
+  </p:timing>
+</p:sld>
+</file>
+
+<file path=ppt/slides/slide6.xml><?xml version="1.0" encoding="utf-8"?>
+<p:sld xmlns:a="http://schemas.openxmlformats.org/drawingml/2006/main" xmlns:r="http://schemas.openxmlformats.org/officeDocument/2006/relationships" xmlns:p="http://schemas.openxmlformats.org/presentationml/2006/main">
+  <p:cSld>
+    <p:spTree>
+      <p:nvGrpSpPr>
+        <p:cNvPr id="1" name=""/>
+        <p:cNvGrpSpPr/>
+        <p:nvPr/>
+      </p:nvGrpSpPr>
+      <p:grpSpPr>
+        <a:xfrm>
+          <a:off x="0" y="0"/>
+          <a:ext cx="0" cy="0"/>
+          <a:chOff x="0" y="0"/>
+          <a:chExt cx="0" cy="0"/>
+        </a:xfrm>
+      </p:grpSpPr>
+      <p:sp>
+        <p:nvSpPr>
+          <p:cNvPr id="2" name="Заголовок 1"/>
+          <p:cNvSpPr>
+            <a:spLocks noGrp="1"/>
+          </p:cNvSpPr>
+          <p:nvPr>
+            <p:ph type="title"/>
+          </p:nvPr>
+        </p:nvSpPr>
+        <p:spPr/>
+        <p:txBody>
+          <a:bodyPr>
+            <a:normAutofit/>
+          </a:bodyPr>
+          <a:lstStyle/>
+          <a:p>
+            <a:r>
+              <a:rPr lang="ru-RU" sz="7200" dirty="0" smtClean="0"/>
+              <a:t>Кнопка настройки</a:t>
+            </a:r>
+            <a:endParaRPr lang="ru-RU" sz="7200" dirty="0"/>
+          </a:p>
+        </p:txBody>
+      </p:sp>
+      <p:pic>
+        <p:nvPicPr>
+          <p:cNvPr id="4" name="Объект 3"/>
+          <p:cNvPicPr>
+            <a:picLocks noGrp="1" noChangeAspect="1"/>
+          </p:cNvPicPr>
+          <p:nvPr>
+            <p:ph idx="1"/>
+          </p:nvPr>
+        </p:nvPicPr>
+        <p:blipFill>
+          <a:blip r:embed="rId2"/>
+          <a:stretch>
+            <a:fillRect/>
+          </a:stretch>
+        </p:blipFill>
+        <p:spPr>
+          <a:xfrm>
+            <a:off x="838200" y="1690688"/>
+            <a:ext cx="5782412" cy="4351338"/>
+          </a:xfrm>
+          <a:prstGeom prst="rect">
+            <a:avLst/>
+          </a:prstGeom>
+        </p:spPr>
+      </p:pic>
+      <p:sp>
+        <p:nvSpPr>
+          <p:cNvPr id="5" name="TextBox 4"/>
+          <p:cNvSpPr txBox="1"/>
+          <p:nvPr/>
+        </p:nvSpPr>
+        <p:spPr>
+          <a:xfrm>
+            <a:off x="6620612" y="1690688"/>
+            <a:ext cx="5458482" cy="2308324"/>
+          </a:xfrm>
+          <a:prstGeom prst="rect">
+            <a:avLst/>
+          </a:prstGeom>
+          <a:noFill/>
+        </p:spPr>
+        <p:txBody>
+          <a:bodyPr wrap="none" rtlCol="0">
+            <a:spAutoFit/>
+          </a:bodyPr>
+          <a:lstStyle/>
+          <a:p>
+            <a:r>
+              <a:rPr lang="ru-RU" sz="3600" dirty="0" smtClean="0"/>
+              <a:t>Тут можно настроить звук</a:t>
+            </a:r>
+          </a:p>
+          <a:p>
+            <a:r>
+              <a:rPr lang="ru-RU" sz="3600" dirty="0" smtClean="0"/>
+              <a:t>в игре</a:t>
+            </a:r>
+          </a:p>
+          <a:p>
+            <a:r>
+              <a:rPr lang="ru-RU" sz="3600" dirty="0" smtClean="0"/>
+              <a:t>Настройки хранятся также </a:t>
+            </a:r>
+          </a:p>
+          <a:p>
+            <a:r>
+              <a:rPr lang="ru-RU" sz="3600" dirty="0" smtClean="0"/>
+              <a:t>в </a:t>
+            </a:r>
+            <a:r>
+              <a:rPr lang="en-US" sz="3600" dirty="0" smtClean="0"/>
+              <a:t>.txt</a:t>
+            </a:r>
+            <a:r>
+              <a:rPr lang="ru-RU" sz="3600" dirty="0"/>
+              <a:t> </a:t>
+            </a:r>
+            <a:r>
+              <a:rPr lang="ru-RU" sz="3600" dirty="0" smtClean="0"/>
+              <a:t>формате </a:t>
+            </a:r>
+            <a:endParaRPr lang="ru-RU" sz="3600" dirty="0"/>
+          </a:p>
+        </p:txBody>
+      </p:sp>
+      <p:sp>
+        <p:nvSpPr>
+          <p:cNvPr id="8" name="Стрелка вниз 7"/>
+          <p:cNvSpPr/>
+          <p:nvPr/>
+        </p:nvSpPr>
+        <p:spPr>
+          <a:xfrm rot="6824913" flipH="1">
+            <a:off x="4843197" y="2692909"/>
+            <a:ext cx="220556" cy="3384494"/>
+          </a:xfrm>
+          <a:prstGeom prst="downArrow">
+            <a:avLst/>
+          </a:prstGeom>
+        </p:spPr>
+        <p:style>
+          <a:lnRef idx="2">
+            <a:schemeClr val="accent1">
+              <a:shade val="50000"/>
+            </a:schemeClr>
+          </a:lnRef>
+          <a:fillRef idx="1">
+            <a:schemeClr val="accent1"/>
+          </a:fillRef>
+          <a:effectRef idx="0">
+            <a:schemeClr val="accent1"/>
+          </a:effectRef>
+          <a:fontRef idx="minor">
+            <a:schemeClr val="lt1"/>
+          </a:fontRef>
+        </p:style>
+        <p:txBody>
+          <a:bodyPr rtlCol="0" anchor="ctr"/>
+          <a:lstStyle/>
+          <a:p>
+            <a:pPr algn="ctr"/>
+            <a:endParaRPr lang="ru-RU"/>
+          </a:p>
+        </p:txBody>
+      </p:sp>
+      <p:sp>
+        <p:nvSpPr>
+          <p:cNvPr id="9" name="TextBox 8"/>
+          <p:cNvSpPr txBox="1"/>
+          <p:nvPr/>
+        </p:nvSpPr>
+        <p:spPr>
+          <a:xfrm>
+            <a:off x="6620612" y="4143356"/>
+            <a:ext cx="5079852" cy="1754326"/>
+          </a:xfrm>
+          <a:prstGeom prst="rect">
+            <a:avLst/>
+          </a:prstGeom>
+          <a:noFill/>
+        </p:spPr>
+        <p:txBody>
+          <a:bodyPr wrap="none" rtlCol="0">
+            <a:spAutoFit/>
+          </a:bodyPr>
+          <a:lstStyle/>
+          <a:p>
+            <a:r>
+              <a:rPr lang="ru-RU" sz="3600" dirty="0" smtClean="0"/>
+              <a:t>При нажатии полностью </a:t>
+            </a:r>
+          </a:p>
+          <a:p>
+            <a:r>
+              <a:rPr lang="ru-RU" sz="3600" dirty="0" smtClean="0"/>
+              <a:t>выключается или </a:t>
+            </a:r>
+          </a:p>
+          <a:p>
+            <a:r>
+              <a:rPr lang="ru-RU" sz="3600" dirty="0" smtClean="0"/>
+              <a:t>включается звук</a:t>
+            </a:r>
+            <a:endParaRPr lang="ru-RU" sz="3600" dirty="0"/>
+          </a:p>
+        </p:txBody>
+      </p:sp>
+    </p:spTree>
+    <p:extLst>
+      <p:ext uri="{BB962C8B-B14F-4D97-AF65-F5344CB8AC3E}">
+        <p14:creationId xmlns:p14="http://schemas.microsoft.com/office/powerpoint/2010/main" val="2365827341"/>
+      </p:ext>
+    </p:extLst>
+  </p:cSld>
+  <p:clrMapOvr>
+    <a:masterClrMapping/>
+  </p:clrMapOvr>
+  <p:timing>
+    <p:tnLst>
+      <p:par>
+        <p:cTn id="1" dur="indefinite" restart="never" nodeType="tmRoot"/>
+      </p:par>
+    </p:tnLst>
+  </p:timing>
+</p:sld>
+</file>
+
+<file path=ppt/slides/slide7.xml><?xml version="1.0" encoding="utf-8"?>
+<p:sld xmlns:a="http://schemas.openxmlformats.org/drawingml/2006/main" xmlns:r="http://schemas.openxmlformats.org/officeDocument/2006/relationships" xmlns:p="http://schemas.openxmlformats.org/presentationml/2006/main">
+  <p:cSld>
+    <p:spTree>
+      <p:nvGrpSpPr>
+        <p:cNvPr id="1" name=""/>
+        <p:cNvGrpSpPr/>
+        <p:nvPr/>
+      </p:nvGrpSpPr>
+      <p:grpSpPr>
+        <a:xfrm>
+          <a:off x="0" y="0"/>
+          <a:ext cx="0" cy="0"/>
+          <a:chOff x="0" y="0"/>
+          <a:chExt cx="0" cy="0"/>
+        </a:xfrm>
+      </p:grpSpPr>
+      <p:sp>
+        <p:nvSpPr>
+          <p:cNvPr id="2" name="Заголовок 1"/>
+          <p:cNvSpPr>
+            <a:spLocks noGrp="1"/>
+          </p:cNvSpPr>
+          <p:nvPr>
+            <p:ph type="title"/>
+          </p:nvPr>
+        </p:nvSpPr>
+        <p:spPr/>
+        <p:txBody>
+          <a:bodyPr>
+            <a:normAutofit/>
+          </a:bodyPr>
+          <a:lstStyle/>
+          <a:p>
+            <a:r>
+              <a:rPr lang="ru-RU" sz="7200" dirty="0" smtClean="0"/>
+              <a:t>Персонаж</a:t>
+            </a:r>
+            <a:endParaRPr lang="ru-RU" sz="7200" dirty="0"/>
+          </a:p>
+        </p:txBody>
+      </p:sp>
+      <p:pic>
+        <p:nvPicPr>
+          <p:cNvPr id="4" name="Объект 3"/>
+          <p:cNvPicPr>
+            <a:picLocks noGrp="1" noChangeAspect="1"/>
+          </p:cNvPicPr>
+          <p:nvPr>
+            <p:ph idx="1"/>
+          </p:nvPr>
+        </p:nvPicPr>
+        <p:blipFill>
+          <a:blip r:embed="rId2"/>
+          <a:stretch>
+            <a:fillRect/>
+          </a:stretch>
+        </p:blipFill>
+        <p:spPr>
+          <a:xfrm>
+            <a:off x="838200" y="1690688"/>
+            <a:ext cx="2270760" cy="3171236"/>
+          </a:xfrm>
+          <a:prstGeom prst="rect">
+            <a:avLst/>
+          </a:prstGeom>
+        </p:spPr>
+      </p:pic>
+      <p:sp>
+        <p:nvSpPr>
+          <p:cNvPr id="5" name="TextBox 4"/>
+          <p:cNvSpPr txBox="1"/>
+          <p:nvPr/>
+        </p:nvSpPr>
+        <p:spPr>
+          <a:xfrm>
+            <a:off x="4502331" y="1976846"/>
+            <a:ext cx="184731" cy="646331"/>
+          </a:xfrm>
+          <a:prstGeom prst="rect">
+            <a:avLst/>
+          </a:prstGeom>
+          <a:noFill/>
+        </p:spPr>
+        <p:txBody>
+          <a:bodyPr wrap="none" rtlCol="0">
+            <a:spAutoFit/>
+          </a:bodyPr>
+          <a:lstStyle/>
+          <a:p>
+            <a:endParaRPr lang="ru-RU" dirty="0" smtClean="0"/>
+          </a:p>
+          <a:p>
+            <a:endParaRPr lang="ru-RU" dirty="0"/>
+          </a:p>
+        </p:txBody>
+      </p:sp>
+      <p:sp>
+        <p:nvSpPr>
+          <p:cNvPr id="6" name="TextBox 5"/>
+          <p:cNvSpPr txBox="1"/>
+          <p:nvPr/>
+        </p:nvSpPr>
+        <p:spPr>
+          <a:xfrm>
+            <a:off x="3561806" y="2177143"/>
+            <a:ext cx="7276736" cy="1754326"/>
+          </a:xfrm>
+          <a:prstGeom prst="rect">
+            <a:avLst/>
+          </a:prstGeom>
+          <a:noFill/>
+        </p:spPr>
+        <p:txBody>
+          <a:bodyPr wrap="none" rtlCol="0">
+            <a:spAutoFit/>
+          </a:bodyPr>
+          <a:lstStyle/>
+          <a:p>
+            <a:r>
+              <a:rPr lang="ru-RU" sz="3600" dirty="0" smtClean="0"/>
+              <a:t>Умеет прыгать и бегать</a:t>
+            </a:r>
+          </a:p>
+          <a:p>
+            <a:r>
+              <a:rPr lang="ru-RU" sz="3600" dirty="0" smtClean="0"/>
+              <a:t>Имеет 5 жизней </a:t>
+            </a:r>
+          </a:p>
+          <a:p>
+            <a:r>
+              <a:rPr lang="ru-RU" sz="3600" dirty="0"/>
+              <a:t>П</a:t>
+            </a:r>
+            <a:r>
+              <a:rPr lang="ru-RU" sz="3600" dirty="0" smtClean="0"/>
+              <a:t>ри утрате всех игра заканчивается</a:t>
+            </a:r>
+            <a:endParaRPr lang="ru-RU" sz="3600" dirty="0"/>
+          </a:p>
+        </p:txBody>
+      </p:sp>
+    </p:spTree>
+    <p:extLst>
+      <p:ext uri="{BB962C8B-B14F-4D97-AF65-F5344CB8AC3E}">
+        <p14:creationId xmlns:p14="http://schemas.microsoft.com/office/powerpoint/2010/main" val="1761989929"/>
+      </p:ext>
+    </p:extLst>
+  </p:cSld>
+  <p:clrMapOvr>
+    <a:masterClrMapping/>
+  </p:clrMapOvr>
+  <p:timing>
+    <p:tnLst>
+      <p:par>
+        <p:cTn id="1" dur="indefinite" restart="never" nodeType="tmRoot"/>
+      </p:par>
+    </p:tnLst>
+  </p:timing>
+</p:sld>
+</file>
+
+<file path=ppt/slides/slide8.xml><?xml version="1.0" encoding="utf-8"?>
+<p:sld xmlns:a="http://schemas.openxmlformats.org/drawingml/2006/main" xmlns:r="http://schemas.openxmlformats.org/officeDocument/2006/relationships" xmlns:p="http://schemas.openxmlformats.org/presentationml/2006/main">
+  <p:cSld>
+    <p:spTree>
+      <p:nvGrpSpPr>
+        <p:cNvPr id="1" name=""/>
+        <p:cNvGrpSpPr/>
+        <p:nvPr/>
+      </p:nvGrpSpPr>
+      <p:grpSpPr>
+        <a:xfrm>
+          <a:off x="0" y="0"/>
+          <a:ext cx="0" cy="0"/>
+          <a:chOff x="0" y="0"/>
+          <a:chExt cx="0" cy="0"/>
+        </a:xfrm>
+      </p:grpSpPr>
+      <p:sp>
+        <p:nvSpPr>
+          <p:cNvPr id="2" name="Заголовок 1"/>
+          <p:cNvSpPr>
+            <a:spLocks noGrp="1"/>
+          </p:cNvSpPr>
+          <p:nvPr>
+            <p:ph type="title"/>
+          </p:nvPr>
+        </p:nvSpPr>
+        <p:spPr/>
+        <p:txBody>
+          <a:bodyPr>
+            <a:normAutofit/>
+          </a:bodyPr>
+          <a:lstStyle/>
+          <a:p>
+            <a:r>
+              <a:rPr lang="ru-RU" sz="7200" dirty="0" smtClean="0"/>
+              <a:t>Окно паузы</a:t>
+            </a:r>
+            <a:endParaRPr lang="ru-RU" sz="7200" dirty="0"/>
+          </a:p>
+        </p:txBody>
+      </p:sp>
+      <p:pic>
+        <p:nvPicPr>
+          <p:cNvPr id="4" name="Объект 3"/>
+          <p:cNvPicPr>
+            <a:picLocks noGrp="1" noChangeAspect="1"/>
+          </p:cNvPicPr>
+          <p:nvPr>
+            <p:ph idx="1"/>
+          </p:nvPr>
+        </p:nvPicPr>
+        <p:blipFill>
+          <a:blip r:embed="rId2"/>
+          <a:stretch>
+            <a:fillRect/>
+          </a:stretch>
+        </p:blipFill>
+        <p:spPr>
+          <a:xfrm>
+            <a:off x="838200" y="1690688"/>
+            <a:ext cx="5758486" cy="4351338"/>
+          </a:xfrm>
+          <a:prstGeom prst="rect">
+            <a:avLst/>
+          </a:prstGeom>
+        </p:spPr>
+      </p:pic>
+      <p:sp>
+        <p:nvSpPr>
+          <p:cNvPr id="5" name="TextBox 4"/>
+          <p:cNvSpPr txBox="1"/>
+          <p:nvPr/>
+        </p:nvSpPr>
+        <p:spPr>
+          <a:xfrm>
+            <a:off x="6596686" y="2917371"/>
+            <a:ext cx="5103064" cy="1200329"/>
+          </a:xfrm>
+          <a:prstGeom prst="rect">
+            <a:avLst/>
+          </a:prstGeom>
+          <a:noFill/>
+        </p:spPr>
+        <p:txBody>
+          <a:bodyPr wrap="none" rtlCol="0">
+            <a:spAutoFit/>
+          </a:bodyPr>
+          <a:lstStyle/>
+          <a:p>
+            <a:r>
+              <a:rPr lang="ru-RU" sz="3600" dirty="0" smtClean="0"/>
+              <a:t>При нажатии </a:t>
+            </a:r>
+            <a:r>
+              <a:rPr lang="en-US" sz="3600" dirty="0" smtClean="0"/>
+              <a:t>escape</a:t>
+            </a:r>
+            <a:endParaRPr lang="ru-RU" sz="3600" dirty="0" smtClean="0"/>
+          </a:p>
+          <a:p>
+            <a:r>
+              <a:rPr lang="ru-RU" sz="3600" dirty="0" smtClean="0"/>
+              <a:t>Игра становится на паузу</a:t>
+            </a:r>
+            <a:endParaRPr lang="ru-RU" sz="3600" dirty="0"/>
+          </a:p>
+        </p:txBody>
+      </p:sp>
+    </p:spTree>
+    <p:extLst>
+      <p:ext uri="{BB962C8B-B14F-4D97-AF65-F5344CB8AC3E}">
+        <p14:creationId xmlns:p14="http://schemas.microsoft.com/office/powerpoint/2010/main" val="3947770703"/>
+      </p:ext>
+    </p:extLst>
+  </p:cSld>
+  <p:clrMapOvr>
+    <a:masterClrMapping/>
+  </p:clrMapOvr>
+  <p:timing>
+    <p:tnLst>
+      <p:par>
+        <p:cTn id="1" dur="indefinite" restart="never" nodeType="tmRoot"/>
+      </p:par>
+    </p:tnLst>
+  </p:timing>
+</p:sld>
+</file>
+
+<file path=ppt/slides/slide9.xml><?xml version="1.0" encoding="utf-8"?>
+<p:sld xmlns:a="http://schemas.openxmlformats.org/drawingml/2006/main" xmlns:r="http://schemas.openxmlformats.org/officeDocument/2006/relationships" xmlns:p="http://schemas.openxmlformats.org/presentationml/2006/main">
+  <p:cSld>
+    <p:spTree>
+      <p:nvGrpSpPr>
+        <p:cNvPr id="1" name=""/>
+        <p:cNvGrpSpPr/>
+        <p:nvPr/>
+      </p:nvGrpSpPr>
+      <p:grpSpPr>
+        <a:xfrm>
+          <a:off x="0" y="0"/>
+          <a:ext cx="0" cy="0"/>
+          <a:chOff x="0" y="0"/>
+          <a:chExt cx="0" cy="0"/>
+        </a:xfrm>
+      </p:grpSpPr>
+      <p:sp>
+        <p:nvSpPr>
+          <p:cNvPr id="2" name="Заголовок 1"/>
+          <p:cNvSpPr>
+            <a:spLocks noGrp="1"/>
+          </p:cNvSpPr>
+          <p:nvPr>
+            <p:ph type="title"/>
+          </p:nvPr>
+        </p:nvSpPr>
+        <p:spPr/>
+        <p:txBody>
+          <a:bodyPr>
+            <a:normAutofit/>
+          </a:bodyPr>
+          <a:lstStyle/>
+          <a:p>
+            <a:r>
+              <a:rPr lang="ru-RU" sz="7200" dirty="0" smtClean="0"/>
+              <a:t>Препятствия в игре</a:t>
+            </a:r>
+            <a:endParaRPr lang="ru-RU" sz="7200" dirty="0"/>
+          </a:p>
+        </p:txBody>
+      </p:sp>
+      <p:pic>
+        <p:nvPicPr>
+          <p:cNvPr id="4" name="Объект 3"/>
+          <p:cNvPicPr>
+            <a:picLocks noGrp="1" noChangeAspect="1"/>
+          </p:cNvPicPr>
+          <p:nvPr>
+            <p:ph idx="1"/>
+          </p:nvPr>
+        </p:nvPicPr>
+        <p:blipFill>
+          <a:blip r:embed="rId2"/>
+          <a:stretch>
+            <a:fillRect/>
+          </a:stretch>
+        </p:blipFill>
+        <p:spPr>
+          <a:xfrm>
+            <a:off x="838200" y="1690688"/>
+            <a:ext cx="1171246" cy="913175"/>
+          </a:xfrm>
+          <a:prstGeom prst="rect">
+            <a:avLst/>
+          </a:prstGeom>
+        </p:spPr>
+      </p:pic>
+      <p:pic>
+        <p:nvPicPr>
+          <p:cNvPr id="5" name="Рисунок 4"/>
+          <p:cNvPicPr>
+            <a:picLocks noChangeAspect="1"/>
+          </p:cNvPicPr>
+          <p:nvPr/>
+        </p:nvPicPr>
+        <p:blipFill>
+          <a:blip r:embed="rId3"/>
+          <a:stretch>
+            <a:fillRect/>
+          </a:stretch>
+        </p:blipFill>
+        <p:spPr>
+          <a:xfrm>
+            <a:off x="838200" y="2761052"/>
+            <a:ext cx="4029637" cy="1562318"/>
+          </a:xfrm>
+          <a:prstGeom prst="rect">
+            <a:avLst/>
+          </a:prstGeom>
+        </p:spPr>
+      </p:pic>
+      <p:pic>
+        <p:nvPicPr>
+          <p:cNvPr id="6" name="Рисунок 5"/>
+          <p:cNvPicPr>
+            <a:picLocks noChangeAspect="1"/>
+          </p:cNvPicPr>
+          <p:nvPr/>
+        </p:nvPicPr>
+        <p:blipFill>
+          <a:blip r:embed="rId4"/>
+          <a:stretch>
+            <a:fillRect/>
+          </a:stretch>
+        </p:blipFill>
+        <p:spPr>
+          <a:xfrm>
+            <a:off x="1648096" y="4480559"/>
+            <a:ext cx="2253343" cy="2053045"/>
+          </a:xfrm>
+          <a:prstGeom prst="rect">
+            <a:avLst/>
+          </a:prstGeom>
+        </p:spPr>
+      </p:pic>
+      <p:pic>
+        <p:nvPicPr>
+          <p:cNvPr id="7" name="Рисунок 6"/>
+          <p:cNvPicPr>
+            <a:picLocks noChangeAspect="1"/>
+          </p:cNvPicPr>
+          <p:nvPr/>
+        </p:nvPicPr>
+        <p:blipFill>
+          <a:blip r:embed="rId5"/>
+          <a:stretch>
+            <a:fillRect/>
+          </a:stretch>
+        </p:blipFill>
+        <p:spPr>
+          <a:xfrm>
+            <a:off x="7160177" y="3903616"/>
+            <a:ext cx="1892256" cy="2486964"/>
+          </a:xfrm>
+          <a:prstGeom prst="rect">
+            <a:avLst/>
+          </a:prstGeom>
+        </p:spPr>
+      </p:pic>
+      <p:pic>
+        <p:nvPicPr>
+          <p:cNvPr id="8" name="Рисунок 7"/>
+          <p:cNvPicPr>
+            <a:picLocks noChangeAspect="1"/>
+          </p:cNvPicPr>
+          <p:nvPr/>
+        </p:nvPicPr>
+        <p:blipFill>
+          <a:blip r:embed="rId6"/>
+          <a:stretch>
+            <a:fillRect/>
+          </a:stretch>
+        </p:blipFill>
+        <p:spPr>
+          <a:xfrm>
+            <a:off x="7410740" y="1503846"/>
+            <a:ext cx="3283386" cy="1912090"/>
+          </a:xfrm>
+          <a:prstGeom prst="rect">
+            <a:avLst/>
+          </a:prstGeom>
+        </p:spPr>
+      </p:pic>
+    </p:spTree>
+    <p:extLst>
+      <p:ext uri="{BB962C8B-B14F-4D97-AF65-F5344CB8AC3E}">
+        <p14:creationId xmlns:p14="http://schemas.microsoft.com/office/powerpoint/2010/main" val="3107703917"/>
       </p:ext>
     </p:extLst>
   </p:cSld>
